--- a/images/annuity/annuity.pptx
+++ b/images/annuity/annuity.pptx
@@ -211,7 +211,7 @@
           <a:p>
             <a:fld id="{4520374D-A10D-4F16-A346-D54563820891}" type="datetimeFigureOut">
               <a:rPr lang="en-MY" smtClean="0"/>
-              <a:t>5/4/2020</a:t>
+              <a:t>23/5/2021</a:t>
             </a:fld>
             <a:endParaRPr lang="en-MY"/>
           </a:p>
@@ -649,7 +649,7 @@
           <a:p>
             <a:fld id="{48A87A34-81AB-432B-8DAE-1953F412C126}" type="datetimeFigureOut">
               <a:rPr lang="en-US" dirty="0"/>
-              <a:t>4/5/2020</a:t>
+              <a:t>5/23/2021</a:t>
             </a:fld>
             <a:endParaRPr lang="en-US" dirty="0"/>
           </a:p>
@@ -911,7 +911,7 @@
           <a:p>
             <a:fld id="{48A87A34-81AB-432B-8DAE-1953F412C126}" type="datetimeFigureOut">
               <a:rPr lang="en-US" dirty="0"/>
-              <a:t>4/5/2020</a:t>
+              <a:t>5/23/2021</a:t>
             </a:fld>
             <a:endParaRPr lang="en-US" dirty="0"/>
           </a:p>
@@ -1138,7 +1138,7 @@
             <a:fld id="{48A87A34-81AB-432B-8DAE-1953F412C126}" type="datetimeFigureOut">
               <a:rPr lang="en-US" dirty="0"/>
               <a:pPr/>
-              <a:t>4/5/2020</a:t>
+              <a:t>5/23/2021</a:t>
             </a:fld>
             <a:endParaRPr lang="en-US" dirty="0"/>
           </a:p>
@@ -1444,7 +1444,7 @@
             <a:fld id="{48A87A34-81AB-432B-8DAE-1953F412C126}" type="datetimeFigureOut">
               <a:rPr lang="en-US" dirty="0"/>
               <a:pPr/>
-              <a:t>4/5/2020</a:t>
+              <a:t>5/23/2021</a:t>
             </a:fld>
             <a:endParaRPr lang="en-US" dirty="0"/>
           </a:p>
@@ -1913,7 +1913,7 @@
             <a:fld id="{48A87A34-81AB-432B-8DAE-1953F412C126}" type="datetimeFigureOut">
               <a:rPr lang="en-US" dirty="0"/>
               <a:pPr/>
-              <a:t>4/5/2020</a:t>
+              <a:t>5/23/2021</a:t>
             </a:fld>
             <a:endParaRPr lang="en-US" dirty="0"/>
           </a:p>
@@ -2455,7 +2455,7 @@
           <a:p>
             <a:fld id="{48A87A34-81AB-432B-8DAE-1953F412C126}" type="datetimeFigureOut">
               <a:rPr lang="en-US" dirty="0"/>
-              <a:t>4/5/2020</a:t>
+              <a:t>5/23/2021</a:t>
             </a:fld>
             <a:endParaRPr lang="en-US" dirty="0"/>
           </a:p>
@@ -3224,7 +3224,7 @@
           <a:p>
             <a:fld id="{48A87A34-81AB-432B-8DAE-1953F412C126}" type="datetimeFigureOut">
               <a:rPr lang="en-US" dirty="0"/>
-              <a:t>4/5/2020</a:t>
+              <a:t>5/23/2021</a:t>
             </a:fld>
             <a:endParaRPr lang="en-US" dirty="0"/>
           </a:p>
@@ -3394,7 +3394,7 @@
           <a:p>
             <a:fld id="{48A87A34-81AB-432B-8DAE-1953F412C126}" type="datetimeFigureOut">
               <a:rPr lang="en-US" dirty="0"/>
-              <a:t>4/5/2020</a:t>
+              <a:t>5/23/2021</a:t>
             </a:fld>
             <a:endParaRPr lang="en-US" dirty="0"/>
           </a:p>
@@ -3613,7 +3613,7 @@
             <a:fld id="{48A87A34-81AB-432B-8DAE-1953F412C126}" type="datetimeFigureOut">
               <a:rPr lang="en-US" dirty="0"/>
               <a:pPr/>
-              <a:t>4/5/2020</a:t>
+              <a:t>5/23/2021</a:t>
             </a:fld>
             <a:endParaRPr lang="en-US" dirty="0"/>
           </a:p>
@@ -3849,7 +3849,7 @@
           <a:p>
             <a:fld id="{48A87A34-81AB-432B-8DAE-1953F412C126}" type="datetimeFigureOut">
               <a:rPr lang="en-US" smtClean="0"/>
-              <a:t>4/5/2020</a:t>
+              <a:t>5/23/2021</a:t>
             </a:fld>
             <a:endParaRPr lang="en-US" dirty="0"/>
           </a:p>
@@ -4029,7 +4029,7 @@
           <a:p>
             <a:fld id="{48A87A34-81AB-432B-8DAE-1953F412C126}" type="datetimeFigureOut">
               <a:rPr lang="en-US" smtClean="0"/>
-              <a:t>4/5/2020</a:t>
+              <a:t>5/23/2021</a:t>
             </a:fld>
             <a:endParaRPr lang="en-US" dirty="0"/>
           </a:p>
@@ -4199,7 +4199,7 @@
           <a:p>
             <a:fld id="{48A87A34-81AB-432B-8DAE-1953F412C126}" type="datetimeFigureOut">
               <a:rPr lang="en-US" dirty="0"/>
-              <a:t>4/5/2020</a:t>
+              <a:t>5/23/2021</a:t>
             </a:fld>
             <a:endParaRPr lang="en-US" dirty="0"/>
           </a:p>
@@ -4484,7 +4484,7 @@
             <a:fld id="{48A87A34-81AB-432B-8DAE-1953F412C126}" type="datetimeFigureOut">
               <a:rPr lang="en-US" smtClean="0"/>
               <a:pPr/>
-              <a:t>4/5/2020</a:t>
+              <a:t>5/23/2021</a:t>
             </a:fld>
             <a:endParaRPr lang="en-US" dirty="0"/>
           </a:p>
@@ -4726,7 +4726,7 @@
           <a:p>
             <a:fld id="{48A87A34-81AB-432B-8DAE-1953F412C126}" type="datetimeFigureOut">
               <a:rPr lang="en-US" smtClean="0"/>
-              <a:t>4/5/2020</a:t>
+              <a:t>5/23/2021</a:t>
             </a:fld>
             <a:endParaRPr lang="en-US" dirty="0"/>
           </a:p>
@@ -5105,7 +5105,7 @@
           <a:p>
             <a:fld id="{48A87A34-81AB-432B-8DAE-1953F412C126}" type="datetimeFigureOut">
               <a:rPr lang="en-US" smtClean="0"/>
-              <a:t>4/5/2020</a:t>
+              <a:t>5/23/2021</a:t>
             </a:fld>
             <a:endParaRPr lang="en-US" dirty="0"/>
           </a:p>
@@ -5223,7 +5223,7 @@
           <a:p>
             <a:fld id="{48A87A34-81AB-432B-8DAE-1953F412C126}" type="datetimeFigureOut">
               <a:rPr lang="en-US" smtClean="0"/>
-              <a:t>4/5/2020</a:t>
+              <a:t>5/23/2021</a:t>
             </a:fld>
             <a:endParaRPr lang="en-US" dirty="0"/>
           </a:p>
@@ -5318,7 +5318,7 @@
           <a:p>
             <a:fld id="{48A87A34-81AB-432B-8DAE-1953F412C126}" type="datetimeFigureOut">
               <a:rPr lang="en-US" smtClean="0"/>
-              <a:t>4/5/2020</a:t>
+              <a:t>5/23/2021</a:t>
             </a:fld>
             <a:endParaRPr lang="en-US" dirty="0"/>
           </a:p>
@@ -5567,7 +5567,7 @@
           <a:p>
             <a:fld id="{48A87A34-81AB-432B-8DAE-1953F412C126}" type="datetimeFigureOut">
               <a:rPr lang="en-US" smtClean="0"/>
-              <a:t>4/5/2020</a:t>
+              <a:t>5/23/2021</a:t>
             </a:fld>
             <a:endParaRPr lang="en-US" dirty="0"/>
           </a:p>
@@ -5824,7 +5824,7 @@
           <a:p>
             <a:fld id="{48A87A34-81AB-432B-8DAE-1953F412C126}" type="datetimeFigureOut">
               <a:rPr lang="en-US" smtClean="0"/>
-              <a:t>4/5/2020</a:t>
+              <a:t>5/23/2021</a:t>
             </a:fld>
             <a:endParaRPr lang="en-US" dirty="0"/>
           </a:p>
@@ -6081,7 +6081,7 @@
           <a:p>
             <a:fld id="{48A87A34-81AB-432B-8DAE-1953F412C126}" type="datetimeFigureOut">
               <a:rPr lang="en-US" smtClean="0"/>
-              <a:t>4/5/2020</a:t>
+              <a:t>5/23/2021</a:t>
             </a:fld>
             <a:endParaRPr lang="en-US" dirty="0"/>
           </a:p>
@@ -6313,7 +6313,7 @@
             <a:fld id="{48A87A34-81AB-432B-8DAE-1953F412C126}" type="datetimeFigureOut">
               <a:rPr lang="en-US" smtClean="0"/>
               <a:pPr/>
-              <a:t>4/5/2020</a:t>
+              <a:t>5/23/2021</a:t>
             </a:fld>
             <a:endParaRPr lang="en-US" dirty="0"/>
           </a:p>
@@ -6624,7 +6624,7 @@
             <a:fld id="{48A87A34-81AB-432B-8DAE-1953F412C126}" type="datetimeFigureOut">
               <a:rPr lang="en-US" smtClean="0"/>
               <a:pPr/>
-              <a:t>4/5/2020</a:t>
+              <a:t>5/23/2021</a:t>
             </a:fld>
             <a:endParaRPr lang="en-US" dirty="0"/>
           </a:p>
@@ -7156,7 +7156,7 @@
             <a:fld id="{48A87A34-81AB-432B-8DAE-1953F412C126}" type="datetimeFigureOut">
               <a:rPr lang="en-US" dirty="0"/>
               <a:pPr/>
-              <a:t>4/5/2020</a:t>
+              <a:t>5/23/2021</a:t>
             </a:fld>
             <a:endParaRPr lang="en-US" dirty="0"/>
           </a:p>
@@ -7393,7 +7393,7 @@
             <a:fld id="{48A87A34-81AB-432B-8DAE-1953F412C126}" type="datetimeFigureOut">
               <a:rPr lang="en-US" smtClean="0"/>
               <a:pPr/>
-              <a:t>4/5/2020</a:t>
+              <a:t>5/23/2021</a:t>
             </a:fld>
             <a:endParaRPr lang="en-US" dirty="0"/>
           </a:p>
@@ -7940,7 +7940,7 @@
           <a:p>
             <a:fld id="{48A87A34-81AB-432B-8DAE-1953F412C126}" type="datetimeFigureOut">
               <a:rPr lang="en-US" smtClean="0"/>
-              <a:t>4/5/2020</a:t>
+              <a:t>5/23/2021</a:t>
             </a:fld>
             <a:endParaRPr lang="en-US" dirty="0"/>
           </a:p>
@@ -8714,7 +8714,7 @@
           <a:p>
             <a:fld id="{48A87A34-81AB-432B-8DAE-1953F412C126}" type="datetimeFigureOut">
               <a:rPr lang="en-US" smtClean="0"/>
-              <a:t>4/5/2020</a:t>
+              <a:t>5/23/2021</a:t>
             </a:fld>
             <a:endParaRPr lang="en-US" dirty="0"/>
           </a:p>
@@ -8889,7 +8889,7 @@
           <a:p>
             <a:fld id="{48A87A34-81AB-432B-8DAE-1953F412C126}" type="datetimeFigureOut">
               <a:rPr lang="en-US" smtClean="0"/>
-              <a:t>4/5/2020</a:t>
+              <a:t>5/23/2021</a:t>
             </a:fld>
             <a:endParaRPr lang="en-US" dirty="0"/>
           </a:p>
@@ -9113,7 +9113,7 @@
             <a:fld id="{48A87A34-81AB-432B-8DAE-1953F412C126}" type="datetimeFigureOut">
               <a:rPr lang="en-US" smtClean="0"/>
               <a:pPr/>
-              <a:t>4/5/2020</a:t>
+              <a:t>5/23/2021</a:t>
             </a:fld>
             <a:endParaRPr lang="en-US" dirty="0"/>
           </a:p>
@@ -9355,7 +9355,7 @@
           <a:p>
             <a:fld id="{48A87A34-81AB-432B-8DAE-1953F412C126}" type="datetimeFigureOut">
               <a:rPr lang="en-US" dirty="0"/>
-              <a:t>4/5/2020</a:t>
+              <a:t>5/23/2021</a:t>
             </a:fld>
             <a:endParaRPr lang="en-US" dirty="0"/>
           </a:p>
@@ -9729,7 +9729,7 @@
           <a:p>
             <a:fld id="{48A87A34-81AB-432B-8DAE-1953F412C126}" type="datetimeFigureOut">
               <a:rPr lang="en-US" dirty="0"/>
-              <a:t>4/5/2020</a:t>
+              <a:t>5/23/2021</a:t>
             </a:fld>
             <a:endParaRPr lang="en-US" dirty="0"/>
           </a:p>
@@ -9842,7 +9842,7 @@
           <a:p>
             <a:fld id="{48A87A34-81AB-432B-8DAE-1953F412C126}" type="datetimeFigureOut">
               <a:rPr lang="en-US" dirty="0"/>
-              <a:t>4/5/2020</a:t>
+              <a:t>5/23/2021</a:t>
             </a:fld>
             <a:endParaRPr lang="en-US" dirty="0"/>
           </a:p>
@@ -9932,7 +9932,7 @@
           <a:p>
             <a:fld id="{48A87A34-81AB-432B-8DAE-1953F412C126}" type="datetimeFigureOut">
               <a:rPr lang="en-US" dirty="0"/>
-              <a:t>4/5/2020</a:t>
+              <a:t>5/23/2021</a:t>
             </a:fld>
             <a:endParaRPr lang="en-US" dirty="0"/>
           </a:p>
@@ -10176,7 +10176,7 @@
           <a:p>
             <a:fld id="{48A87A34-81AB-432B-8DAE-1953F412C126}" type="datetimeFigureOut">
               <a:rPr lang="en-US" dirty="0"/>
-              <a:t>4/5/2020</a:t>
+              <a:t>5/23/2021</a:t>
             </a:fld>
             <a:endParaRPr lang="en-US" dirty="0"/>
           </a:p>
@@ -10428,7 +10428,7 @@
           <a:p>
             <a:fld id="{48A87A34-81AB-432B-8DAE-1953F412C126}" type="datetimeFigureOut">
               <a:rPr lang="en-US" dirty="0"/>
-              <a:t>4/5/2020</a:t>
+              <a:t>5/23/2021</a:t>
             </a:fld>
             <a:endParaRPr lang="en-US" dirty="0"/>
           </a:p>
@@ -10671,7 +10671,7 @@
             <a:fld id="{48A87A34-81AB-432B-8DAE-1953F412C126}" type="datetimeFigureOut">
               <a:rPr lang="en-US" smtClean="0"/>
               <a:pPr/>
-              <a:t>4/5/2020</a:t>
+              <a:t>5/23/2021</a:t>
             </a:fld>
             <a:endParaRPr lang="en-US" dirty="0"/>
           </a:p>
@@ -11322,7 +11322,7 @@
             <a:fld id="{48A87A34-81AB-432B-8DAE-1953F412C126}" type="datetimeFigureOut">
               <a:rPr lang="en-US" smtClean="0"/>
               <a:pPr/>
-              <a:t>4/5/2020</a:t>
+              <a:t>5/23/2021</a:t>
             </a:fld>
             <a:endParaRPr lang="en-US" dirty="0"/>
           </a:p>
@@ -11614,7 +11614,7 @@
             <a:fld id="{48A87A34-81AB-432B-8DAE-1953F412C126}" type="datetimeFigureOut">
               <a:rPr lang="en-US" smtClean="0"/>
               <a:pPr/>
-              <a:t>4/5/2020</a:t>
+              <a:t>5/23/2021</a:t>
             </a:fld>
             <a:endParaRPr lang="en-US" dirty="0"/>
           </a:p>
@@ -12177,25 +12177,6 @@
       </p:grpSpPr>
       <p:sp>
         <p:nvSpPr>
-          <p:cNvPr id="2" name="Title 1"/>
-          <p:cNvSpPr>
-            <a:spLocks noGrp="1"/>
-          </p:cNvSpPr>
-          <p:nvPr>
-            <p:ph type="title"/>
-          </p:nvPr>
-        </p:nvSpPr>
-        <p:spPr/>
-        <p:txBody>
-          <a:bodyPr/>
-          <a:lstStyle/>
-          <a:p>
-            <a:endParaRPr lang="en-MY"/>
-          </a:p>
-        </p:txBody>
-      </p:sp>
-      <p:sp>
-        <p:nvSpPr>
           <p:cNvPr id="3" name="Content Placeholder 2"/>
           <p:cNvSpPr>
             <a:spLocks noGrp="1"/>
@@ -12302,12 +12283,12 @@
           <a:graphicData uri="http://schemas.openxmlformats.org/presentationml/2006/ole">
             <mc:AlternateContent xmlns:mc="http://schemas.openxmlformats.org/markup-compatibility/2006">
               <mc:Choice xmlns:v="urn:schemas-microsoft-com:vml" Requires="v">
-                <p:oleObj spid="_x0000_s63500" name="Equation" r:id="rId3" imgW="1587240" imgH="888840" progId="Equation.3">
+                <p:oleObj name="Equation" r:id="rId2" imgW="1587240" imgH="888840" progId="Equation.3">
                   <p:embed/>
                 </p:oleObj>
               </mc:Choice>
               <mc:Fallback>
-                <p:oleObj name="Equation" r:id="rId3" imgW="1587240" imgH="888840" progId="Equation.3">
+                <p:oleObj name="Equation" r:id="rId2" imgW="1587240" imgH="888840" progId="Equation.3">
                   <p:embed/>
                   <p:pic>
                     <p:nvPicPr>
@@ -12316,7 +12297,7 @@
                       <p:nvPr/>
                     </p:nvPicPr>
                     <p:blipFill>
-                      <a:blip r:embed="rId4"/>
+                      <a:blip r:embed="rId3"/>
                       <a:stretch>
                         <a:fillRect/>
                       </a:stretch>
@@ -12365,12 +12346,12 @@
           <a:graphicData uri="http://schemas.openxmlformats.org/presentationml/2006/ole">
             <mc:AlternateContent xmlns:mc="http://schemas.openxmlformats.org/markup-compatibility/2006">
               <mc:Choice xmlns:v="urn:schemas-microsoft-com:vml" Requires="v">
-                <p:oleObj spid="_x0000_s63501" name="Equation" r:id="rId5" imgW="2184120" imgH="2971800" progId="Equation.3">
+                <p:oleObj name="Equation" r:id="rId4" imgW="2184120" imgH="2971800" progId="Equation.3">
                   <p:embed/>
                 </p:oleObj>
               </mc:Choice>
               <mc:Fallback>
-                <p:oleObj name="Equation" r:id="rId5" imgW="2184120" imgH="2971800" progId="Equation.3">
+                <p:oleObj name="Equation" r:id="rId4" imgW="2184120" imgH="2971800" progId="Equation.3">
                   <p:embed/>
                   <p:pic>
                     <p:nvPicPr>
@@ -12379,7 +12360,7 @@
                       <p:nvPr/>
                     </p:nvPicPr>
                     <p:blipFill>
-                      <a:blip r:embed="rId6"/>
+                      <a:blip r:embed="rId5"/>
                       <a:stretch>
                         <a:fillRect/>
                       </a:stretch>
@@ -12476,25 +12457,6 @@
       </p:grpSpPr>
       <p:sp>
         <p:nvSpPr>
-          <p:cNvPr id="2" name="Title 1"/>
-          <p:cNvSpPr>
-            <a:spLocks noGrp="1"/>
-          </p:cNvSpPr>
-          <p:nvPr>
-            <p:ph type="title"/>
-          </p:nvPr>
-        </p:nvSpPr>
-        <p:spPr/>
-        <p:txBody>
-          <a:bodyPr/>
-          <a:lstStyle/>
-          <a:p>
-            <a:endParaRPr lang="en-MY"/>
-          </a:p>
-        </p:txBody>
-      </p:sp>
-      <p:sp>
-        <p:nvSpPr>
           <p:cNvPr id="3" name="Content Placeholder 2"/>
           <p:cNvSpPr>
             <a:spLocks noGrp="1"/>
@@ -12619,25 +12581,6 @@
           <a:chExt cx="0" cy="0"/>
         </a:xfrm>
       </p:grpSpPr>
-      <p:sp>
-        <p:nvSpPr>
-          <p:cNvPr id="2" name="Title 1"/>
-          <p:cNvSpPr>
-            <a:spLocks noGrp="1"/>
-          </p:cNvSpPr>
-          <p:nvPr>
-            <p:ph type="title"/>
-          </p:nvPr>
-        </p:nvSpPr>
-        <p:spPr/>
-        <p:txBody>
-          <a:bodyPr/>
-          <a:lstStyle/>
-          <a:p>
-            <a:endParaRPr lang="en-MY"/>
-          </a:p>
-        </p:txBody>
-      </p:sp>
       <p:graphicFrame>
         <p:nvGraphicFramePr>
           <p:cNvPr id="28675" name="Object 3"/>
@@ -12661,12 +12604,12 @@
           <a:graphicData uri="http://schemas.openxmlformats.org/presentationml/2006/ole">
             <mc:AlternateContent xmlns:mc="http://schemas.openxmlformats.org/markup-compatibility/2006">
               <mc:Choice xmlns:v="urn:schemas-microsoft-com:vml" Requires="v">
-                <p:oleObj spid="_x0000_s57390" name="Equation" r:id="rId3" imgW="1562040" imgH="634680" progId="Equation.3">
+                <p:oleObj name="Equation" r:id="rId2" imgW="1562040" imgH="634680" progId="Equation.3">
                   <p:embed/>
                 </p:oleObj>
               </mc:Choice>
               <mc:Fallback>
-                <p:oleObj name="Equation" r:id="rId3" imgW="1562040" imgH="634680" progId="Equation.3">
+                <p:oleObj name="Equation" r:id="rId2" imgW="1562040" imgH="634680" progId="Equation.3">
                   <p:embed/>
                   <p:pic>
                     <p:nvPicPr>
@@ -12677,7 +12620,7 @@
                       <p:nvPr/>
                     </p:nvPicPr>
                     <p:blipFill>
-                      <a:blip r:embed="rId4"/>
+                      <a:blip r:embed="rId3"/>
                       <a:srcRect/>
                       <a:stretch>
                         <a:fillRect/>
@@ -12722,12 +12665,12 @@
           <a:graphicData uri="http://schemas.openxmlformats.org/presentationml/2006/ole">
             <mc:AlternateContent xmlns:mc="http://schemas.openxmlformats.org/markup-compatibility/2006">
               <mc:Choice xmlns:v="urn:schemas-microsoft-com:vml" Requires="v">
-                <p:oleObj spid="_x0000_s57391" name="Equation" r:id="rId5" imgW="1917360" imgH="1676160" progId="Equation.3">
+                <p:oleObj name="Equation" r:id="rId4" imgW="1917360" imgH="1676160" progId="Equation.3">
                   <p:embed/>
                 </p:oleObj>
               </mc:Choice>
               <mc:Fallback>
-                <p:oleObj name="Equation" r:id="rId5" imgW="1917360" imgH="1676160" progId="Equation.3">
+                <p:oleObj name="Equation" r:id="rId4" imgW="1917360" imgH="1676160" progId="Equation.3">
                   <p:embed/>
                   <p:pic>
                     <p:nvPicPr>
@@ -12738,7 +12681,7 @@
                       <p:nvPr/>
                     </p:nvPicPr>
                     <p:blipFill>
-                      <a:blip r:embed="rId6"/>
+                      <a:blip r:embed="rId5"/>
                       <a:srcRect/>
                       <a:stretch>
                         <a:fillRect/>
@@ -12783,12 +12726,12 @@
           <a:graphicData uri="http://schemas.openxmlformats.org/presentationml/2006/ole">
             <mc:AlternateContent xmlns:mc="http://schemas.openxmlformats.org/markup-compatibility/2006">
               <mc:Choice xmlns:v="urn:schemas-microsoft-com:vml" Requires="v">
-                <p:oleObj spid="_x0000_s57392" name="Equation" r:id="rId7" imgW="1879560" imgH="1676160" progId="Equation.3">
+                <p:oleObj name="Equation" r:id="rId6" imgW="1879560" imgH="1676160" progId="Equation.3">
                   <p:embed/>
                 </p:oleObj>
               </mc:Choice>
               <mc:Fallback>
-                <p:oleObj name="Equation" r:id="rId7" imgW="1879560" imgH="1676160" progId="Equation.3">
+                <p:oleObj name="Equation" r:id="rId6" imgW="1879560" imgH="1676160" progId="Equation.3">
                   <p:embed/>
                   <p:pic>
                     <p:nvPicPr>
@@ -12799,7 +12742,7 @@
                       <p:nvPr/>
                     </p:nvPicPr>
                     <p:blipFill>
-                      <a:blip r:embed="rId8"/>
+                      <a:blip r:embed="rId7"/>
                       <a:srcRect/>
                       <a:stretch>
                         <a:fillRect/>
@@ -12844,12 +12787,12 @@
           <a:graphicData uri="http://schemas.openxmlformats.org/presentationml/2006/ole">
             <mc:AlternateContent xmlns:mc="http://schemas.openxmlformats.org/markup-compatibility/2006">
               <mc:Choice xmlns:v="urn:schemas-microsoft-com:vml" Requires="v">
-                <p:oleObj spid="_x0000_s57393" name="Equation" r:id="rId9" imgW="1981080" imgH="1879560" progId="Equation.3">
+                <p:oleObj name="Equation" r:id="rId8" imgW="1981080" imgH="1879560" progId="Equation.3">
                   <p:embed/>
                 </p:oleObj>
               </mc:Choice>
               <mc:Fallback>
-                <p:oleObj name="Equation" r:id="rId9" imgW="1981080" imgH="1879560" progId="Equation.3">
+                <p:oleObj name="Equation" r:id="rId8" imgW="1981080" imgH="1879560" progId="Equation.3">
                   <p:embed/>
                   <p:pic>
                     <p:nvPicPr>
@@ -12860,7 +12803,7 @@
                       <p:nvPr/>
                     </p:nvPicPr>
                     <p:blipFill>
-                      <a:blip r:embed="rId10"/>
+                      <a:blip r:embed="rId9"/>
                       <a:srcRect/>
                       <a:stretch>
                         <a:fillRect/>
@@ -13045,12 +12988,12 @@
           <a:graphicData uri="http://schemas.openxmlformats.org/presentationml/2006/ole">
             <mc:AlternateContent xmlns:mc="http://schemas.openxmlformats.org/markup-compatibility/2006">
               <mc:Choice xmlns:v="urn:schemas-microsoft-com:vml" Requires="v">
-                <p:oleObj spid="_x0000_s64523" name="Equation" r:id="rId3" imgW="2057400" imgH="3492360" progId="Equation.3">
+                <p:oleObj name="Equation" r:id="rId2" imgW="2057400" imgH="3492360" progId="Equation.3">
                   <p:embed/>
                 </p:oleObj>
               </mc:Choice>
               <mc:Fallback>
-                <p:oleObj name="Equation" r:id="rId3" imgW="2057400" imgH="3492360" progId="Equation.3">
+                <p:oleObj name="Equation" r:id="rId2" imgW="2057400" imgH="3492360" progId="Equation.3">
                   <p:embed/>
                   <p:pic>
                     <p:nvPicPr>
@@ -13061,7 +13004,7 @@
                       <p:nvPr/>
                     </p:nvPicPr>
                     <p:blipFill>
-                      <a:blip r:embed="rId4"/>
+                      <a:blip r:embed="rId3"/>
                       <a:srcRect/>
                       <a:stretch>
                         <a:fillRect/>
@@ -13112,12 +13055,12 @@
           <a:graphicData uri="http://schemas.openxmlformats.org/presentationml/2006/ole">
             <mc:AlternateContent xmlns:mc="http://schemas.openxmlformats.org/markup-compatibility/2006">
               <mc:Choice xmlns:v="urn:schemas-microsoft-com:vml" Requires="v">
-                <p:oleObj spid="_x0000_s64524" name="Equation" r:id="rId5" imgW="1587240" imgH="1523880" progId="Equation.3">
+                <p:oleObj name="Equation" r:id="rId4" imgW="1587240" imgH="1523880" progId="Equation.3">
                   <p:embed/>
                 </p:oleObj>
               </mc:Choice>
               <mc:Fallback>
-                <p:oleObj name="Equation" r:id="rId5" imgW="1587240" imgH="1523880" progId="Equation.3">
+                <p:oleObj name="Equation" r:id="rId4" imgW="1587240" imgH="1523880" progId="Equation.3">
                   <p:embed/>
                   <p:pic>
                     <p:nvPicPr>
@@ -13128,7 +13071,7 @@
                       <p:nvPr/>
                     </p:nvPicPr>
                     <p:blipFill>
-                      <a:blip r:embed="rId6"/>
+                      <a:blip r:embed="rId5"/>
                       <a:srcRect/>
                       <a:stretch>
                         <a:fillRect/>
@@ -13283,12 +13226,12 @@
           <a:graphicData uri="http://schemas.openxmlformats.org/presentationml/2006/ole">
             <mc:AlternateContent xmlns:mc="http://schemas.openxmlformats.org/markup-compatibility/2006">
               <mc:Choice xmlns:v="urn:schemas-microsoft-com:vml" Requires="v">
-                <p:oleObj spid="_x0000_s59402" name="Equation" r:id="rId3" imgW="114151" imgH="215619" progId="Equation.3">
+                <p:oleObj name="Equation" r:id="rId2" imgW="114151" imgH="215619" progId="Equation.3">
                   <p:embed/>
                 </p:oleObj>
               </mc:Choice>
               <mc:Fallback>
-                <p:oleObj name="Equation" r:id="rId3" imgW="114151" imgH="215619" progId="Equation.3">
+                <p:oleObj name="Equation" r:id="rId2" imgW="114151" imgH="215619" progId="Equation.3">
                   <p:embed/>
                   <p:pic>
                     <p:nvPicPr>
@@ -13299,7 +13242,7 @@
                       <p:nvPr/>
                     </p:nvPicPr>
                     <p:blipFill>
-                      <a:blip r:embed="rId4">
+                      <a:blip r:embed="rId3">
                         <a:extLst>
                           <a:ext uri="{28A0092B-C50C-407E-A947-70E740481C1C}">
                             <a14:useLocalDpi xmlns:a14="http://schemas.microsoft.com/office/drawing/2010/main" val="0"/>
@@ -13561,7 +13504,15 @@
           <a:p>
             <a:r>
               <a:rPr lang="en-US" dirty="0"/>
-              <a:t>solve for annuity payment, R, the number of payments, n, and the interest rate, I, and</a:t>
+              <a:t>solve for annuity payment, R, the number of payments, n, and the interest rate, </a:t>
+            </a:r>
+            <a:r>
+              <a:rPr lang="en-US"/>
+              <a:t>i, </a:t>
+            </a:r>
+            <a:r>
+              <a:rPr lang="en-US" dirty="0"/>
+              <a:t>and</a:t>
             </a:r>
           </a:p>
           <a:p>
@@ -13909,12 +13860,12 @@
           <a:graphicData uri="http://schemas.openxmlformats.org/presentationml/2006/ole">
             <mc:AlternateContent xmlns:mc="http://schemas.openxmlformats.org/markup-compatibility/2006">
               <mc:Choice xmlns:v="urn:schemas-microsoft-com:vml" Requires="v">
-                <p:oleObj spid="_x0000_s51220" name="Equation" r:id="rId3" imgW="1155700" imgH="457200" progId="Equation.3">
+                <p:oleObj name="Equation" r:id="rId2" imgW="1155700" imgH="457200" progId="Equation.3">
                   <p:embed/>
                 </p:oleObj>
               </mc:Choice>
               <mc:Fallback>
-                <p:oleObj name="Equation" r:id="rId3" imgW="1155700" imgH="457200" progId="Equation.3">
+                <p:oleObj name="Equation" r:id="rId2" imgW="1155700" imgH="457200" progId="Equation.3">
                   <p:embed/>
                   <p:pic>
                     <p:nvPicPr>
@@ -13925,7 +13876,7 @@
                       <p:nvPr/>
                     </p:nvPicPr>
                     <p:blipFill>
-                      <a:blip r:embed="rId4">
+                      <a:blip r:embed="rId3">
                         <a:extLst>
                           <a:ext uri="{28A0092B-C50C-407E-A947-70E740481C1C}">
                             <a14:useLocalDpi xmlns:a14="http://schemas.microsoft.com/office/drawing/2010/main" val="0"/>
@@ -13981,12 +13932,12 @@
           <a:graphicData uri="http://schemas.openxmlformats.org/presentationml/2006/ole">
             <mc:AlternateContent xmlns:mc="http://schemas.openxmlformats.org/markup-compatibility/2006">
               <mc:Choice xmlns:v="urn:schemas-microsoft-com:vml" Requires="v">
-                <p:oleObj spid="_x0000_s51221" name="Equation" r:id="rId5" imgW="634449" imgH="177646" progId="Equation.3">
+                <p:oleObj name="Equation" r:id="rId4" imgW="634449" imgH="177646" progId="Equation.3">
                   <p:embed/>
                 </p:oleObj>
               </mc:Choice>
               <mc:Fallback>
-                <p:oleObj name="Equation" r:id="rId5" imgW="634449" imgH="177646" progId="Equation.3">
+                <p:oleObj name="Equation" r:id="rId4" imgW="634449" imgH="177646" progId="Equation.3">
                   <p:embed/>
                   <p:pic>
                     <p:nvPicPr>
@@ -13997,7 +13948,7 @@
                       <p:nvPr/>
                     </p:nvPicPr>
                     <p:blipFill>
-                      <a:blip r:embed="rId6">
+                      <a:blip r:embed="rId5">
                         <a:extLst>
                           <a:ext uri="{28A0092B-C50C-407E-A947-70E740481C1C}">
                             <a14:useLocalDpi xmlns:a14="http://schemas.microsoft.com/office/drawing/2010/main" val="0"/>
@@ -14090,25 +14041,6 @@
       </p:grpSpPr>
       <p:sp>
         <p:nvSpPr>
-          <p:cNvPr id="2" name="Title 1"/>
-          <p:cNvSpPr>
-            <a:spLocks noGrp="1"/>
-          </p:cNvSpPr>
-          <p:nvPr>
-            <p:ph type="title"/>
-          </p:nvPr>
-        </p:nvSpPr>
-        <p:spPr/>
-        <p:txBody>
-          <a:bodyPr/>
-          <a:lstStyle/>
-          <a:p>
-            <a:endParaRPr lang="en-MY"/>
-          </a:p>
-        </p:txBody>
-      </p:sp>
-      <p:sp>
-        <p:nvSpPr>
           <p:cNvPr id="3" name="Content Placeholder 2"/>
           <p:cNvSpPr>
             <a:spLocks noGrp="1"/>
@@ -14197,12 +14129,12 @@
           <a:graphicData uri="http://schemas.openxmlformats.org/presentationml/2006/ole">
             <mc:AlternateContent xmlns:mc="http://schemas.openxmlformats.org/markup-compatibility/2006">
               <mc:Choice xmlns:v="urn:schemas-microsoft-com:vml" Requires="v">
-                <p:oleObj spid="_x0000_s60434" name="Equation" r:id="rId3" imgW="1790700" imgH="1612900" progId="Equation.3">
+                <p:oleObj name="Equation" r:id="rId2" imgW="1790700" imgH="1612900" progId="Equation.3">
                   <p:embed/>
                 </p:oleObj>
               </mc:Choice>
               <mc:Fallback>
-                <p:oleObj name="Equation" r:id="rId3" imgW="1790700" imgH="1612900" progId="Equation.3">
+                <p:oleObj name="Equation" r:id="rId2" imgW="1790700" imgH="1612900" progId="Equation.3">
                   <p:embed/>
                   <p:pic>
                     <p:nvPicPr>
@@ -14213,7 +14145,7 @@
                       <p:nvPr/>
                     </p:nvPicPr>
                     <p:blipFill>
-                      <a:blip r:embed="rId4">
+                      <a:blip r:embed="rId3">
                         <a:extLst>
                           <a:ext uri="{28A0092B-C50C-407E-A947-70E740481C1C}">
                             <a14:useLocalDpi xmlns:a14="http://schemas.microsoft.com/office/drawing/2010/main" val="0"/>
@@ -14279,12 +14211,12 @@
           <a:graphicData uri="http://schemas.openxmlformats.org/presentationml/2006/ole">
             <mc:AlternateContent xmlns:mc="http://schemas.openxmlformats.org/markup-compatibility/2006">
               <mc:Choice xmlns:v="urn:schemas-microsoft-com:vml" Requires="v">
-                <p:oleObj spid="_x0000_s60435" name="Equation" r:id="rId5" imgW="1651000" imgH="660400" progId="Equation.3">
+                <p:oleObj name="Equation" r:id="rId4" imgW="1651000" imgH="660400" progId="Equation.3">
                   <p:embed/>
                 </p:oleObj>
               </mc:Choice>
               <mc:Fallback>
-                <p:oleObj name="Equation" r:id="rId5" imgW="1651000" imgH="660400" progId="Equation.3">
+                <p:oleObj name="Equation" r:id="rId4" imgW="1651000" imgH="660400" progId="Equation.3">
                   <p:embed/>
                   <p:pic>
                     <p:nvPicPr>
@@ -14295,7 +14227,7 @@
                       <p:nvPr/>
                     </p:nvPicPr>
                     <p:blipFill>
-                      <a:blip r:embed="rId6">
+                      <a:blip r:embed="rId5">
                         <a:extLst>
                           <a:ext uri="{28A0092B-C50C-407E-A947-70E740481C1C}">
                             <a14:useLocalDpi xmlns:a14="http://schemas.microsoft.com/office/drawing/2010/main" val="0"/>
@@ -14547,12 +14479,12 @@
           <a:graphicData uri="http://schemas.openxmlformats.org/presentationml/2006/ole">
             <mc:AlternateContent xmlns:mc="http://schemas.openxmlformats.org/markup-compatibility/2006">
               <mc:Choice xmlns:v="urn:schemas-microsoft-com:vml" Requires="v">
-                <p:oleObj spid="_x0000_s53268" name="Equation" r:id="rId3" imgW="1244600" imgH="457200" progId="Equation.3">
+                <p:oleObj name="Equation" r:id="rId2" imgW="1244600" imgH="457200" progId="Equation.3">
                   <p:embed/>
                 </p:oleObj>
               </mc:Choice>
               <mc:Fallback>
-                <p:oleObj name="Equation" r:id="rId3" imgW="1244600" imgH="457200" progId="Equation.3">
+                <p:oleObj name="Equation" r:id="rId2" imgW="1244600" imgH="457200" progId="Equation.3">
                   <p:embed/>
                   <p:pic>
                     <p:nvPicPr>
@@ -14563,7 +14495,7 @@
                       <p:nvPr/>
                     </p:nvPicPr>
                     <p:blipFill>
-                      <a:blip r:embed="rId4">
+                      <a:blip r:embed="rId3">
                         <a:extLst>
                           <a:ext uri="{28A0092B-C50C-407E-A947-70E740481C1C}">
                             <a14:useLocalDpi xmlns:a14="http://schemas.microsoft.com/office/drawing/2010/main" val="0"/>
@@ -14616,12 +14548,12 @@
           <a:graphicData uri="http://schemas.openxmlformats.org/presentationml/2006/ole">
             <mc:AlternateContent xmlns:mc="http://schemas.openxmlformats.org/markup-compatibility/2006">
               <mc:Choice xmlns:v="urn:schemas-microsoft-com:vml" Requires="v">
-                <p:oleObj spid="_x0000_s53269" name="Equation" r:id="rId5" imgW="672808" imgH="165028" progId="Equation.3">
+                <p:oleObj name="Equation" r:id="rId4" imgW="672808" imgH="165028" progId="Equation.3">
                   <p:embed/>
                 </p:oleObj>
               </mc:Choice>
               <mc:Fallback>
-                <p:oleObj name="Equation" r:id="rId5" imgW="672808" imgH="165028" progId="Equation.3">
+                <p:oleObj name="Equation" r:id="rId4" imgW="672808" imgH="165028" progId="Equation.3">
                   <p:embed/>
                   <p:pic>
                     <p:nvPicPr>
@@ -14632,7 +14564,7 @@
                       <p:nvPr/>
                     </p:nvPicPr>
                     <p:blipFill>
-                      <a:blip r:embed="rId6">
+                      <a:blip r:embed="rId5">
                         <a:extLst>
                           <a:ext uri="{28A0092B-C50C-407E-A947-70E740481C1C}">
                             <a14:useLocalDpi xmlns:a14="http://schemas.microsoft.com/office/drawing/2010/main" val="0"/>
@@ -14728,25 +14660,6 @@
       </p:grpSpPr>
       <p:sp>
         <p:nvSpPr>
-          <p:cNvPr id="2" name="Title 1"/>
-          <p:cNvSpPr>
-            <a:spLocks noGrp="1"/>
-          </p:cNvSpPr>
-          <p:nvPr>
-            <p:ph type="title"/>
-          </p:nvPr>
-        </p:nvSpPr>
-        <p:spPr/>
-        <p:txBody>
-          <a:bodyPr/>
-          <a:lstStyle/>
-          <a:p>
-            <a:endParaRPr lang="en-MY"/>
-          </a:p>
-        </p:txBody>
-      </p:sp>
-      <p:sp>
-        <p:nvSpPr>
           <p:cNvPr id="3" name="Content Placeholder 2"/>
           <p:cNvSpPr>
             <a:spLocks noGrp="1"/>
@@ -14812,12 +14725,12 @@
           <a:graphicData uri="http://schemas.openxmlformats.org/presentationml/2006/ole">
             <mc:AlternateContent xmlns:mc="http://schemas.openxmlformats.org/markup-compatibility/2006">
               <mc:Choice xmlns:v="urn:schemas-microsoft-com:vml" Requires="v">
-                <p:oleObj spid="_x0000_s61454" name="Equation" r:id="rId3" imgW="1701800" imgH="660400" progId="Equation.3">
+                <p:oleObj name="Equation" r:id="rId2" imgW="1701800" imgH="660400" progId="Equation.3">
                   <p:embed/>
                 </p:oleObj>
               </mc:Choice>
               <mc:Fallback>
-                <p:oleObj name="Equation" r:id="rId3" imgW="1701800" imgH="660400" progId="Equation.3">
+                <p:oleObj name="Equation" r:id="rId2" imgW="1701800" imgH="660400" progId="Equation.3">
                   <p:embed/>
                   <p:pic>
                     <p:nvPicPr>
@@ -14828,7 +14741,7 @@
                       <p:nvPr/>
                     </p:nvPicPr>
                     <p:blipFill>
-                      <a:blip r:embed="rId4">
+                      <a:blip r:embed="rId3">
                         <a:extLst>
                           <a:ext uri="{28A0092B-C50C-407E-A947-70E740481C1C}">
                             <a14:useLocalDpi xmlns:a14="http://schemas.microsoft.com/office/drawing/2010/main" val="0"/>
@@ -14894,12 +14807,12 @@
           <a:graphicData uri="http://schemas.openxmlformats.org/presentationml/2006/ole">
             <mc:AlternateContent xmlns:mc="http://schemas.openxmlformats.org/markup-compatibility/2006">
               <mc:Choice xmlns:v="urn:schemas-microsoft-com:vml" Requires="v">
-                <p:oleObj spid="_x0000_s61455" name="Equation" r:id="rId5" imgW="1930400" imgH="1612900" progId="Equation.3">
+                <p:oleObj name="Equation" r:id="rId4" imgW="1930400" imgH="1612900" progId="Equation.3">
                   <p:embed/>
                 </p:oleObj>
               </mc:Choice>
               <mc:Fallback>
-                <p:oleObj name="Equation" r:id="rId5" imgW="1930400" imgH="1612900" progId="Equation.3">
+                <p:oleObj name="Equation" r:id="rId4" imgW="1930400" imgH="1612900" progId="Equation.3">
                   <p:embed/>
                   <p:pic>
                     <p:nvPicPr>
@@ -14910,7 +14823,7 @@
                       <p:nvPr/>
                     </p:nvPicPr>
                     <p:blipFill>
-                      <a:blip r:embed="rId6">
+                      <a:blip r:embed="rId5">
                         <a:extLst>
                           <a:ext uri="{28A0092B-C50C-407E-A947-70E740481C1C}">
                             <a14:useLocalDpi xmlns:a14="http://schemas.microsoft.com/office/drawing/2010/main" val="0"/>
@@ -15067,12 +14980,12 @@
           <a:graphicData uri="http://schemas.openxmlformats.org/presentationml/2006/ole">
             <mc:AlternateContent xmlns:mc="http://schemas.openxmlformats.org/markup-compatibility/2006">
               <mc:Choice xmlns:v="urn:schemas-microsoft-com:vml" Requires="v">
-                <p:oleObj spid="_x0000_s55338" name="Equation" r:id="rId3" imgW="2057400" imgH="431640" progId="Equation.3">
+                <p:oleObj name="Equation" r:id="rId2" imgW="2057400" imgH="431640" progId="Equation.3">
                   <p:embed/>
                 </p:oleObj>
               </mc:Choice>
               <mc:Fallback>
-                <p:oleObj name="Equation" r:id="rId3" imgW="2057400" imgH="431640" progId="Equation.3">
+                <p:oleObj name="Equation" r:id="rId2" imgW="2057400" imgH="431640" progId="Equation.3">
                   <p:embed/>
                   <p:pic>
                     <p:nvPicPr>
@@ -15083,7 +14996,7 @@
                       <p:nvPr/>
                     </p:nvPicPr>
                     <p:blipFill>
-                      <a:blip r:embed="rId4"/>
+                      <a:blip r:embed="rId3"/>
                       <a:srcRect/>
                       <a:stretch>
                         <a:fillRect/>
@@ -15243,12 +15156,12 @@
           <a:graphicData uri="http://schemas.openxmlformats.org/presentationml/2006/ole">
             <mc:AlternateContent xmlns:mc="http://schemas.openxmlformats.org/markup-compatibility/2006">
               <mc:Choice xmlns:v="urn:schemas-microsoft-com:vml" Requires="v">
-                <p:oleObj spid="_x0000_s55339" name="Equation" r:id="rId5" imgW="1981080" imgH="660240" progId="Equation.3">
+                <p:oleObj name="Equation" r:id="rId4" imgW="1981080" imgH="660240" progId="Equation.3">
                   <p:embed/>
                 </p:oleObj>
               </mc:Choice>
               <mc:Fallback>
-                <p:oleObj name="Equation" r:id="rId5" imgW="1981080" imgH="660240" progId="Equation.3">
+                <p:oleObj name="Equation" r:id="rId4" imgW="1981080" imgH="660240" progId="Equation.3">
                   <p:embed/>
                   <p:pic>
                     <p:nvPicPr>
@@ -15259,7 +15172,7 @@
                       <p:nvPr/>
                     </p:nvPicPr>
                     <p:blipFill>
-                      <a:blip r:embed="rId6"/>
+                      <a:blip r:embed="rId5"/>
                       <a:srcRect/>
                       <a:stretch>
                         <a:fillRect/>
@@ -15403,12 +15316,12 @@
           <a:graphicData uri="http://schemas.openxmlformats.org/presentationml/2006/ole">
             <mc:AlternateContent xmlns:mc="http://schemas.openxmlformats.org/markup-compatibility/2006">
               <mc:Choice xmlns:v="urn:schemas-microsoft-com:vml" Requires="v">
-                <p:oleObj spid="_x0000_s62476" name="Equation" r:id="rId3" imgW="2031840" imgH="1676160" progId="Equation.3">
+                <p:oleObj name="Equation" r:id="rId2" imgW="2031840" imgH="1676160" progId="Equation.3">
                   <p:embed/>
                 </p:oleObj>
               </mc:Choice>
               <mc:Fallback>
-                <p:oleObj name="Equation" r:id="rId3" imgW="2031840" imgH="1676160" progId="Equation.3">
+                <p:oleObj name="Equation" r:id="rId2" imgW="2031840" imgH="1676160" progId="Equation.3">
                   <p:embed/>
                   <p:pic>
                     <p:nvPicPr>
@@ -15419,7 +15332,7 @@
                       <p:nvPr/>
                     </p:nvPicPr>
                     <p:blipFill>
-                      <a:blip r:embed="rId4"/>
+                      <a:blip r:embed="rId3"/>
                       <a:srcRect/>
                       <a:stretch>
                         <a:fillRect/>
@@ -15470,12 +15383,12 @@
           <a:graphicData uri="http://schemas.openxmlformats.org/presentationml/2006/ole">
             <mc:AlternateContent xmlns:mc="http://schemas.openxmlformats.org/markup-compatibility/2006">
               <mc:Choice xmlns:v="urn:schemas-microsoft-com:vml" Requires="v">
-                <p:oleObj spid="_x0000_s62477" name="Equation" r:id="rId5" imgW="1879560" imgH="1676160" progId="Equation.3">
+                <p:oleObj name="Equation" r:id="rId4" imgW="1879560" imgH="1676160" progId="Equation.3">
                   <p:embed/>
                 </p:oleObj>
               </mc:Choice>
               <mc:Fallback>
-                <p:oleObj name="Equation" r:id="rId5" imgW="1879560" imgH="1676160" progId="Equation.3">
+                <p:oleObj name="Equation" r:id="rId4" imgW="1879560" imgH="1676160" progId="Equation.3">
                   <p:embed/>
                   <p:pic>
                     <p:nvPicPr>
@@ -15486,7 +15399,7 @@
                       <p:nvPr/>
                     </p:nvPicPr>
                     <p:blipFill>
-                      <a:blip r:embed="rId6"/>
+                      <a:blip r:embed="rId5"/>
                       <a:srcRect/>
                       <a:stretch>
                         <a:fillRect/>
